--- a/documentation/pcFastShow.pptx
+++ b/documentation/pcFastShow.pptx
@@ -113,6 +113,11 @@
       </a:defRPr>
     </a:lvl9pPr>
   </p:defaultTextStyle>
+  <p:extLst>
+    <p:ext uri="{EFAFB233-063F-42B5-8137-9DF3F51BA10A}">
+      <p15:sldGuideLst xmlns:p15="http://schemas.microsoft.com/office/powerpoint/2012/main"/>
+    </p:ext>
+  </p:extLst>
 </p:presentation>
 </file>
 
@@ -220,6 +225,7 @@
               <c:showPercent val="0"/>
               <c:showBubbleSize val="1"/>
               <c:extLst>
+                <c:ext xmlns:c15="http://schemas.microsoft.com/office/drawing/2012/chart" uri="{CE6537A1-D6FC-4f65-9D91-7224C49458BB}"/>
                 <c:ext xmlns:c16="http://schemas.microsoft.com/office/drawing/2014/chart" uri="{C3380CC4-5D6E-409C-BE32-E72D297353CC}">
                   <c16:uniqueId val="{00000000-1257-4606-834A-701B45138A90}"/>
                 </c:ext>
@@ -8280,38 +8286,62 @@
           <a:lstStyle/>
           <a:p>
             <a:r>
-              <a:rPr lang="pt-PT" sz="6000" b="0" strike="noStrike" spc="-1">
+              <a:rPr lang="pt-PT" sz="6000" b="0" strike="noStrike" spc="-1" dirty="0">
                 <a:solidFill>
                   <a:srgbClr val="FFFFFF"/>
                 </a:solidFill>
                 <a:latin typeface="Noto Sans Light"/>
               </a:rPr>
-              <a:t>ProjectCheck – (MERN Stack)</a:t>
+              <a:t>ProjectCheck – (MEVN Stack)</a:t>
             </a:r>
           </a:p>
         </p:txBody>
       </p:sp>
       <p:pic>
         <p:nvPicPr>
-          <p:cNvPr id="137" name="Imagem 136"/>
-          <p:cNvPicPr/>
+          <p:cNvPr id="1026" name="Picture 2" descr="Develop app using vue js mongodb and node mevn stack by Techiemandot">
+            <a:extLst>
+              <a:ext uri="{FF2B5EF4-FFF2-40B4-BE49-F238E27FC236}">
+                <a16:creationId xmlns:a16="http://schemas.microsoft.com/office/drawing/2014/main" id="{95C61C50-3837-4418-9237-D7A22AD5E312}"/>
+              </a:ext>
+            </a:extLst>
+          </p:cNvPr>
+          <p:cNvPicPr>
+            <a:picLocks noChangeAspect="1" noChangeArrowheads="1"/>
+          </p:cNvPicPr>
           <p:nvPr/>
         </p:nvPicPr>
         <p:blipFill>
-          <a:blip r:embed="rId2"/>
-          <a:stretch/>
+          <a:blip r:embed="rId2">
+            <a:extLst>
+              <a:ext uri="{28A0092B-C50C-407E-A947-70E740481C1C}">
+                <a14:useLocalDpi xmlns:a14="http://schemas.microsoft.com/office/drawing/2010/main" val="0"/>
+              </a:ext>
+            </a:extLst>
+          </a:blip>
+          <a:srcRect/>
+          <a:stretch>
+            <a:fillRect/>
+          </a:stretch>
         </p:blipFill>
-        <p:spPr>
-          <a:xfrm>
-            <a:off x="1512000" y="1512000"/>
-            <a:ext cx="9000000" cy="5989320"/>
-          </a:xfrm>
-          <a:prstGeom prst="rect">
-            <a:avLst/>
-          </a:prstGeom>
-          <a:ln>
-            <a:noFill/>
-          </a:ln>
+        <p:spPr bwMode="auto">
+          <a:xfrm>
+            <a:off x="-1" y="1488332"/>
+            <a:ext cx="11998325" cy="6071343"/>
+          </a:xfrm>
+          <a:prstGeom prst="rect">
+            <a:avLst/>
+          </a:prstGeom>
+          <a:noFill/>
+          <a:extLst>
+            <a:ext uri="{909E8E84-426E-40DD-AFC4-6F175D3DCCD1}">
+              <a14:hiddenFill xmlns:a14="http://schemas.microsoft.com/office/drawing/2010/main">
+                <a:solidFill>
+                  <a:srgbClr val="FFFFFF"/>
+                </a:solidFill>
+              </a14:hiddenFill>
+            </a:ext>
+          </a:extLst>
         </p:spPr>
       </p:pic>
     </p:spTree>
@@ -8419,8 +8449,8 @@
         </p:blipFill>
         <p:spPr>
           <a:xfrm>
-            <a:off x="576000" y="1475280"/>
-            <a:ext cx="10817640" cy="6084720"/>
+            <a:off x="-1" y="1475280"/>
+            <a:ext cx="11998325" cy="6084720"/>
           </a:xfrm>
           <a:prstGeom prst="rect">
             <a:avLst/>
